--- a/C#/Clean code principles/OO Clean code.pptx
+++ b/C#/Clean code principles/OO Clean code.pptx
@@ -5285,7 +5285,7 @@
         </p:nvSpPr>
         <p:spPr>
           <a:xfrm>
-            <a:off x="377505" y="365125"/>
+            <a:off x="637564" y="365125"/>
             <a:ext cx="11895589" cy="1325563"/>
           </a:xfrm>
         </p:spPr>
@@ -5308,10 +5308,78 @@
       </p:sp>
       <p:sp>
         <p:nvSpPr>
-          <p:cNvPr id="3" name="Content Placeholder 2">
-            <a:extLst>
-              <a:ext uri="{FF2B5EF4-FFF2-40B4-BE49-F238E27FC236}">
-                <a16:creationId xmlns:a16="http://schemas.microsoft.com/office/drawing/2014/main" id="{622C6526-3A2B-40EE-9A1F-F7D3D6552B85}"/>
+          <p:cNvPr id="7" name="Title 1">
+            <a:extLst>
+              <a:ext uri="{FF2B5EF4-FFF2-40B4-BE49-F238E27FC236}">
+                <a16:creationId xmlns:a16="http://schemas.microsoft.com/office/drawing/2014/main" id="{318188B0-41AD-4DF7-BF8C-FDBBB7C25CD1}"/>
+              </a:ext>
+            </a:extLst>
+          </p:cNvPr>
+          <p:cNvSpPr txBox="1">
+            <a:spLocks/>
+          </p:cNvSpPr>
+          <p:nvPr/>
+        </p:nvSpPr>
+        <p:spPr>
+          <a:xfrm>
+            <a:off x="39149" y="1690688"/>
+            <a:ext cx="12776432" cy="1325563"/>
+          </a:xfrm>
+          <a:prstGeom prst="rect">
+            <a:avLst/>
+          </a:prstGeom>
+        </p:spPr>
+        <p:txBody>
+          <a:bodyPr vert="horz" lIns="91440" tIns="45720" rIns="91440" bIns="45720" rtlCol="0" anchor="ctr">
+            <a:noAutofit/>
+          </a:bodyPr>
+          <a:lstStyle>
+            <a:lvl1pPr algn="l" defTabSz="914400" rtl="0" eaLnBrk="1" latinLnBrk="0" hangingPunct="1">
+              <a:lnSpc>
+                <a:spcPct val="90000"/>
+              </a:lnSpc>
+              <a:spcBef>
+                <a:spcPct val="0"/>
+              </a:spcBef>
+              <a:buNone/>
+              <a:defRPr sz="4400" kern="1200">
+                <a:solidFill>
+                  <a:schemeClr val="tx1"/>
+                </a:solidFill>
+                <a:latin typeface="+mj-lt"/>
+                <a:ea typeface="+mj-ea"/>
+                <a:cs typeface="+mj-cs"/>
+              </a:defRPr>
+            </a:lvl1pPr>
+          </a:lstStyle>
+          <a:p>
+            <a:r>
+              <a:rPr lang="en-US" b="1" dirty="0">
+                <a:solidFill>
+                  <a:srgbClr val="FF0000"/>
+                </a:solidFill>
+              </a:rPr>
+              <a:t>“PEMATURE OPTIMIZATION IS THE ROOT OF ALL EVIL”</a:t>
+            </a:r>
+          </a:p>
+          <a:p>
+            <a:r>
+              <a:rPr lang="en-US" b="1" dirty="0">
+                <a:solidFill>
+                  <a:srgbClr val="FF0000"/>
+                </a:solidFill>
+              </a:rPr>
+              <a:t>	</a:t>
+            </a:r>
+          </a:p>
+        </p:txBody>
+      </p:sp>
+      <p:sp>
+        <p:nvSpPr>
+          <p:cNvPr id="8" name="Title 1">
+            <a:extLst>
+              <a:ext uri="{FF2B5EF4-FFF2-40B4-BE49-F238E27FC236}">
+                <a16:creationId xmlns:a16="http://schemas.microsoft.com/office/drawing/2014/main" id="{01690DAC-A496-419C-8B88-39FF97858330}"/>
               </a:ext>
             </a:extLst>
           </p:cNvPr>
@@ -5322,12 +5390,41 @@
             <p:ph idx="1"/>
           </p:nvPr>
         </p:nvSpPr>
-        <p:spPr/>
-        <p:txBody>
-          <a:bodyPr/>
-          <a:lstStyle/>
-          <a:p>
-            <a:endParaRPr lang="en-US" dirty="0"/>
+        <p:spPr>
+          <a:xfrm flipH="1">
+            <a:off x="1040234" y="2483140"/>
+            <a:ext cx="11151765" cy="2063693"/>
+          </a:xfrm>
+        </p:spPr>
+        <p:txBody>
+          <a:bodyPr>
+            <a:noAutofit/>
+          </a:bodyPr>
+          <a:lstStyle/>
+          <a:p>
+            <a:pPr marL="0" indent="0">
+              <a:buNone/>
+            </a:pPr>
+            <a:r>
+              <a:rPr lang="en-US" b="1" dirty="0"/>
+              <a:t>First write clean and readable code, if the module has an ‘waterfall effect’(might increase in volume(</a:t>
+            </a:r>
+            <a:r>
+              <a:rPr lang="en-US" b="1" dirty="0" err="1"/>
+              <a:t>storage,query</a:t>
+            </a:r>
+            <a:r>
+              <a:rPr lang="en-US" b="1" dirty="0"/>
+              <a:t> </a:t>
+            </a:r>
+            <a:r>
+              <a:rPr lang="en-US" b="1" dirty="0" err="1"/>
+              <a:t>weight,requests</a:t>
+            </a:r>
+            <a:r>
+              <a:rPr lang="en-US" b="1" dirty="0"/>
+              <a:t> stress) and performance might exponentially decrease), only then you should think of ways to trade readability for optimization – don’t waste time optimizing something that will never need to -&gt; YAGNI</a:t>
+            </a:r>
           </a:p>
         </p:txBody>
       </p:sp>
